--- a/ppt 16-9/0902.活在神家里.pptx
+++ b/ppt 16-9/0902.活在神家里.pptx
@@ -129,7 +129,7 @@
           <p:cNvPr id="2" name="标题 1">
             <a:extLst>
               <a:ext uri="{FF2B5EF4-FFF2-40B4-BE49-F238E27FC236}">
-                <a16:creationId xmlns:a16="http://schemas.microsoft.com/office/drawing/2014/main" id="{82D44EE9-3A82-9E6C-99B0-FE5203B4BCF3}"/>
+                <a16:creationId xmlns:a16="http://schemas.microsoft.com/office/drawing/2014/main" id="{78FEAD74-9AF5-8684-86FC-395455D3C52F}"/>
               </a:ext>
             </a:extLst>
           </p:cNvPr>
@@ -166,7 +166,7 @@
           <p:cNvPr id="3" name="副标题 2">
             <a:extLst>
               <a:ext uri="{FF2B5EF4-FFF2-40B4-BE49-F238E27FC236}">
-                <a16:creationId xmlns:a16="http://schemas.microsoft.com/office/drawing/2014/main" id="{B6EDD499-66F9-39F1-B25D-47E28F2D316E}"/>
+                <a16:creationId xmlns:a16="http://schemas.microsoft.com/office/drawing/2014/main" id="{71783EC0-C7CF-0103-2551-2A2D2CB99FF7}"/>
               </a:ext>
             </a:extLst>
           </p:cNvPr>
@@ -236,7 +236,7 @@
           <p:cNvPr id="4" name="日期占位符 3">
             <a:extLst>
               <a:ext uri="{FF2B5EF4-FFF2-40B4-BE49-F238E27FC236}">
-                <a16:creationId xmlns:a16="http://schemas.microsoft.com/office/drawing/2014/main" id="{11485E60-190E-5630-66D3-96E71F76C5AC}"/>
+                <a16:creationId xmlns:a16="http://schemas.microsoft.com/office/drawing/2014/main" id="{59654D11-1F4A-A714-53F0-B095F7B9039B}"/>
               </a:ext>
             </a:extLst>
           </p:cNvPr>
@@ -252,7 +252,7 @@
           <a:bodyPr/>
           <a:lstStyle/>
           <a:p>
-            <a:fld id="{5A6772F9-C3FF-4F6E-9CB0-51E0B59A1942}" type="datetimeFigureOut">
+            <a:fld id="{4DF24903-E467-4DF9-83BB-7D9F973231F0}" type="datetimeFigureOut">
               <a:rPr lang="zh-CN" altLang="en-US" smtClean="0"/>
               <a:t>2024/3/10</a:t>
             </a:fld>
@@ -265,7 +265,7 @@
           <p:cNvPr id="5" name="页脚占位符 4">
             <a:extLst>
               <a:ext uri="{FF2B5EF4-FFF2-40B4-BE49-F238E27FC236}">
-                <a16:creationId xmlns:a16="http://schemas.microsoft.com/office/drawing/2014/main" id="{9C4202E7-6A42-8F0F-3EE5-C2D21DBE5DC6}"/>
+                <a16:creationId xmlns:a16="http://schemas.microsoft.com/office/drawing/2014/main" id="{3405E524-6FD1-F396-85AC-828FF0D87169}"/>
               </a:ext>
             </a:extLst>
           </p:cNvPr>
@@ -290,7 +290,7 @@
           <p:cNvPr id="6" name="灯片编号占位符 5">
             <a:extLst>
               <a:ext uri="{FF2B5EF4-FFF2-40B4-BE49-F238E27FC236}">
-                <a16:creationId xmlns:a16="http://schemas.microsoft.com/office/drawing/2014/main" id="{E7A63AC0-22FA-5798-C5BC-8AB0D12D1B1E}"/>
+                <a16:creationId xmlns:a16="http://schemas.microsoft.com/office/drawing/2014/main" id="{B1441623-D1DE-3647-A534-EC2A6E6C0A24}"/>
               </a:ext>
             </a:extLst>
           </p:cNvPr>
@@ -306,7 +306,7 @@
           <a:bodyPr/>
           <a:lstStyle/>
           <a:p>
-            <a:fld id="{86B9957F-C935-474D-BA90-A73C5B998A30}" type="slidenum">
+            <a:fld id="{6CEF90F9-4D7D-4696-9176-A0E74F9FD161}" type="slidenum">
               <a:rPr lang="zh-CN" altLang="en-US" smtClean="0"/>
               <a:t>‹#›</a:t>
             </a:fld>
@@ -317,7 +317,7 @@
     </p:spTree>
     <p:extLst>
       <p:ext uri="{BB962C8B-B14F-4D97-AF65-F5344CB8AC3E}">
-        <p14:creationId xmlns:p14="http://schemas.microsoft.com/office/powerpoint/2010/main" val="612722514"/>
+        <p14:creationId xmlns:p14="http://schemas.microsoft.com/office/powerpoint/2010/main" val="1931149600"/>
       </p:ext>
     </p:extLst>
   </p:cSld>
@@ -349,7 +349,7 @@
           <p:cNvPr id="2" name="标题 1">
             <a:extLst>
               <a:ext uri="{FF2B5EF4-FFF2-40B4-BE49-F238E27FC236}">
-                <a16:creationId xmlns:a16="http://schemas.microsoft.com/office/drawing/2014/main" id="{F122574C-2D9A-5F8D-4D4D-5E7A0A225686}"/>
+                <a16:creationId xmlns:a16="http://schemas.microsoft.com/office/drawing/2014/main" id="{F3F70FFF-7904-2297-1363-6367E7264278}"/>
               </a:ext>
             </a:extLst>
           </p:cNvPr>
@@ -377,7 +377,7 @@
           <p:cNvPr id="3" name="竖排文字占位符 2">
             <a:extLst>
               <a:ext uri="{FF2B5EF4-FFF2-40B4-BE49-F238E27FC236}">
-                <a16:creationId xmlns:a16="http://schemas.microsoft.com/office/drawing/2014/main" id="{654F64C2-756F-5BAF-CCF9-F1AFBB06D5B2}"/>
+                <a16:creationId xmlns:a16="http://schemas.microsoft.com/office/drawing/2014/main" id="{57F14643-DAA3-4F08-EFFF-259EDC9C4832}"/>
               </a:ext>
             </a:extLst>
           </p:cNvPr>
@@ -434,7 +434,7 @@
           <p:cNvPr id="4" name="日期占位符 3">
             <a:extLst>
               <a:ext uri="{FF2B5EF4-FFF2-40B4-BE49-F238E27FC236}">
-                <a16:creationId xmlns:a16="http://schemas.microsoft.com/office/drawing/2014/main" id="{36AE10D3-1036-D37C-B720-BA19E22B0E95}"/>
+                <a16:creationId xmlns:a16="http://schemas.microsoft.com/office/drawing/2014/main" id="{0020519F-5D0D-0FA9-6C5D-AA13B225903C}"/>
               </a:ext>
             </a:extLst>
           </p:cNvPr>
@@ -450,7 +450,7 @@
           <a:bodyPr/>
           <a:lstStyle/>
           <a:p>
-            <a:fld id="{5A6772F9-C3FF-4F6E-9CB0-51E0B59A1942}" type="datetimeFigureOut">
+            <a:fld id="{4DF24903-E467-4DF9-83BB-7D9F973231F0}" type="datetimeFigureOut">
               <a:rPr lang="zh-CN" altLang="en-US" smtClean="0"/>
               <a:t>2024/3/10</a:t>
             </a:fld>
@@ -463,7 +463,7 @@
           <p:cNvPr id="5" name="页脚占位符 4">
             <a:extLst>
               <a:ext uri="{FF2B5EF4-FFF2-40B4-BE49-F238E27FC236}">
-                <a16:creationId xmlns:a16="http://schemas.microsoft.com/office/drawing/2014/main" id="{DEE6A57C-4CFE-83CC-75D0-3943C072F01C}"/>
+                <a16:creationId xmlns:a16="http://schemas.microsoft.com/office/drawing/2014/main" id="{CC36A1CC-E481-EBA6-344F-8350C017FD57}"/>
               </a:ext>
             </a:extLst>
           </p:cNvPr>
@@ -488,7 +488,7 @@
           <p:cNvPr id="6" name="灯片编号占位符 5">
             <a:extLst>
               <a:ext uri="{FF2B5EF4-FFF2-40B4-BE49-F238E27FC236}">
-                <a16:creationId xmlns:a16="http://schemas.microsoft.com/office/drawing/2014/main" id="{4554F870-C82C-0E93-B06C-1FBC68500605}"/>
+                <a16:creationId xmlns:a16="http://schemas.microsoft.com/office/drawing/2014/main" id="{145187E0-576F-95FC-5BC0-9EB92001C775}"/>
               </a:ext>
             </a:extLst>
           </p:cNvPr>
@@ -504,7 +504,7 @@
           <a:bodyPr/>
           <a:lstStyle/>
           <a:p>
-            <a:fld id="{86B9957F-C935-474D-BA90-A73C5B998A30}" type="slidenum">
+            <a:fld id="{6CEF90F9-4D7D-4696-9176-A0E74F9FD161}" type="slidenum">
               <a:rPr lang="zh-CN" altLang="en-US" smtClean="0"/>
               <a:t>‹#›</a:t>
             </a:fld>
@@ -515,7 +515,7 @@
     </p:spTree>
     <p:extLst>
       <p:ext uri="{BB962C8B-B14F-4D97-AF65-F5344CB8AC3E}">
-        <p14:creationId xmlns:p14="http://schemas.microsoft.com/office/powerpoint/2010/main" val="1704000931"/>
+        <p14:creationId xmlns:p14="http://schemas.microsoft.com/office/powerpoint/2010/main" val="597945864"/>
       </p:ext>
     </p:extLst>
   </p:cSld>
@@ -547,7 +547,7 @@
           <p:cNvPr id="2" name="竖排标题 1">
             <a:extLst>
               <a:ext uri="{FF2B5EF4-FFF2-40B4-BE49-F238E27FC236}">
-                <a16:creationId xmlns:a16="http://schemas.microsoft.com/office/drawing/2014/main" id="{918A211B-F26D-196B-04CA-ABFFF494AE1B}"/>
+                <a16:creationId xmlns:a16="http://schemas.microsoft.com/office/drawing/2014/main" id="{0EBCDAC4-0A87-D031-4A4D-4FFD981301AF}"/>
               </a:ext>
             </a:extLst>
           </p:cNvPr>
@@ -580,7 +580,7 @@
           <p:cNvPr id="3" name="竖排文字占位符 2">
             <a:extLst>
               <a:ext uri="{FF2B5EF4-FFF2-40B4-BE49-F238E27FC236}">
-                <a16:creationId xmlns:a16="http://schemas.microsoft.com/office/drawing/2014/main" id="{143E0100-C757-18F2-7097-78767B50AE95}"/>
+                <a16:creationId xmlns:a16="http://schemas.microsoft.com/office/drawing/2014/main" id="{D5C92354-B817-9098-8123-3F5B62E62541}"/>
               </a:ext>
             </a:extLst>
           </p:cNvPr>
@@ -642,7 +642,7 @@
           <p:cNvPr id="4" name="日期占位符 3">
             <a:extLst>
               <a:ext uri="{FF2B5EF4-FFF2-40B4-BE49-F238E27FC236}">
-                <a16:creationId xmlns:a16="http://schemas.microsoft.com/office/drawing/2014/main" id="{407C1D2E-912B-E48A-1B8C-F23A3D9BF629}"/>
+                <a16:creationId xmlns:a16="http://schemas.microsoft.com/office/drawing/2014/main" id="{63C9E223-C3E0-F599-2248-818C5BABA382}"/>
               </a:ext>
             </a:extLst>
           </p:cNvPr>
@@ -658,7 +658,7 @@
           <a:bodyPr/>
           <a:lstStyle/>
           <a:p>
-            <a:fld id="{5A6772F9-C3FF-4F6E-9CB0-51E0B59A1942}" type="datetimeFigureOut">
+            <a:fld id="{4DF24903-E467-4DF9-83BB-7D9F973231F0}" type="datetimeFigureOut">
               <a:rPr lang="zh-CN" altLang="en-US" smtClean="0"/>
               <a:t>2024/3/10</a:t>
             </a:fld>
@@ -671,7 +671,7 @@
           <p:cNvPr id="5" name="页脚占位符 4">
             <a:extLst>
               <a:ext uri="{FF2B5EF4-FFF2-40B4-BE49-F238E27FC236}">
-                <a16:creationId xmlns:a16="http://schemas.microsoft.com/office/drawing/2014/main" id="{1AD012CF-1F20-7CD6-A844-8F4A5AB13D1E}"/>
+                <a16:creationId xmlns:a16="http://schemas.microsoft.com/office/drawing/2014/main" id="{91F10DCD-E5DC-1105-91A3-28A0443F9E88}"/>
               </a:ext>
             </a:extLst>
           </p:cNvPr>
@@ -696,7 +696,7 @@
           <p:cNvPr id="6" name="灯片编号占位符 5">
             <a:extLst>
               <a:ext uri="{FF2B5EF4-FFF2-40B4-BE49-F238E27FC236}">
-                <a16:creationId xmlns:a16="http://schemas.microsoft.com/office/drawing/2014/main" id="{9A84E2EF-F01C-BDE9-C46E-E7673F94DC81}"/>
+                <a16:creationId xmlns:a16="http://schemas.microsoft.com/office/drawing/2014/main" id="{CBEA52D6-78A4-4DD8-F04E-DC49BE07D709}"/>
               </a:ext>
             </a:extLst>
           </p:cNvPr>
@@ -712,7 +712,7 @@
           <a:bodyPr/>
           <a:lstStyle/>
           <a:p>
-            <a:fld id="{86B9957F-C935-474D-BA90-A73C5B998A30}" type="slidenum">
+            <a:fld id="{6CEF90F9-4D7D-4696-9176-A0E74F9FD161}" type="slidenum">
               <a:rPr lang="zh-CN" altLang="en-US" smtClean="0"/>
               <a:t>‹#›</a:t>
             </a:fld>
@@ -723,7 +723,7 @@
     </p:spTree>
     <p:extLst>
       <p:ext uri="{BB962C8B-B14F-4D97-AF65-F5344CB8AC3E}">
-        <p14:creationId xmlns:p14="http://schemas.microsoft.com/office/powerpoint/2010/main" val="2576900032"/>
+        <p14:creationId xmlns:p14="http://schemas.microsoft.com/office/powerpoint/2010/main" val="2456907926"/>
       </p:ext>
     </p:extLst>
   </p:cSld>
@@ -755,7 +755,7 @@
           <p:cNvPr id="2" name="标题 1">
             <a:extLst>
               <a:ext uri="{FF2B5EF4-FFF2-40B4-BE49-F238E27FC236}">
-                <a16:creationId xmlns:a16="http://schemas.microsoft.com/office/drawing/2014/main" id="{8F6738BE-06DE-935C-1AED-C0F4D03EFDED}"/>
+                <a16:creationId xmlns:a16="http://schemas.microsoft.com/office/drawing/2014/main" id="{B4A1A5B6-B3E8-0E83-C402-4FD54AF9725D}"/>
               </a:ext>
             </a:extLst>
           </p:cNvPr>
@@ -783,7 +783,7 @@
           <p:cNvPr id="3" name="内容占位符 2">
             <a:extLst>
               <a:ext uri="{FF2B5EF4-FFF2-40B4-BE49-F238E27FC236}">
-                <a16:creationId xmlns:a16="http://schemas.microsoft.com/office/drawing/2014/main" id="{B513CFE4-1273-FCDB-59E9-1CFC0CA5765A}"/>
+                <a16:creationId xmlns:a16="http://schemas.microsoft.com/office/drawing/2014/main" id="{3AC5F426-03B4-D7D3-3BA3-E8D44F809AD7}"/>
               </a:ext>
             </a:extLst>
           </p:cNvPr>
@@ -840,7 +840,7 @@
           <p:cNvPr id="4" name="日期占位符 3">
             <a:extLst>
               <a:ext uri="{FF2B5EF4-FFF2-40B4-BE49-F238E27FC236}">
-                <a16:creationId xmlns:a16="http://schemas.microsoft.com/office/drawing/2014/main" id="{80EA15A5-C112-089D-EBEA-052C82A3CB71}"/>
+                <a16:creationId xmlns:a16="http://schemas.microsoft.com/office/drawing/2014/main" id="{02BBEEDE-4829-EA78-3DB3-408C99803DF8}"/>
               </a:ext>
             </a:extLst>
           </p:cNvPr>
@@ -856,7 +856,7 @@
           <a:bodyPr/>
           <a:lstStyle/>
           <a:p>
-            <a:fld id="{5A6772F9-C3FF-4F6E-9CB0-51E0B59A1942}" type="datetimeFigureOut">
+            <a:fld id="{4DF24903-E467-4DF9-83BB-7D9F973231F0}" type="datetimeFigureOut">
               <a:rPr lang="zh-CN" altLang="en-US" smtClean="0"/>
               <a:t>2024/3/10</a:t>
             </a:fld>
@@ -869,7 +869,7 @@
           <p:cNvPr id="5" name="页脚占位符 4">
             <a:extLst>
               <a:ext uri="{FF2B5EF4-FFF2-40B4-BE49-F238E27FC236}">
-                <a16:creationId xmlns:a16="http://schemas.microsoft.com/office/drawing/2014/main" id="{602691F3-B7C5-951F-5A21-4B951023F801}"/>
+                <a16:creationId xmlns:a16="http://schemas.microsoft.com/office/drawing/2014/main" id="{375D9A8A-DEE0-E7A1-209D-FC8A1510A65F}"/>
               </a:ext>
             </a:extLst>
           </p:cNvPr>
@@ -894,7 +894,7 @@
           <p:cNvPr id="6" name="灯片编号占位符 5">
             <a:extLst>
               <a:ext uri="{FF2B5EF4-FFF2-40B4-BE49-F238E27FC236}">
-                <a16:creationId xmlns:a16="http://schemas.microsoft.com/office/drawing/2014/main" id="{98318967-6E1B-C5F0-4227-C0A262A08BD6}"/>
+                <a16:creationId xmlns:a16="http://schemas.microsoft.com/office/drawing/2014/main" id="{DB067595-12C6-CA05-881E-A5B3630A559E}"/>
               </a:ext>
             </a:extLst>
           </p:cNvPr>
@@ -910,7 +910,7 @@
           <a:bodyPr/>
           <a:lstStyle/>
           <a:p>
-            <a:fld id="{86B9957F-C935-474D-BA90-A73C5B998A30}" type="slidenum">
+            <a:fld id="{6CEF90F9-4D7D-4696-9176-A0E74F9FD161}" type="slidenum">
               <a:rPr lang="zh-CN" altLang="en-US" smtClean="0"/>
               <a:t>‹#›</a:t>
             </a:fld>
@@ -921,7 +921,7 @@
     </p:spTree>
     <p:extLst>
       <p:ext uri="{BB962C8B-B14F-4D97-AF65-F5344CB8AC3E}">
-        <p14:creationId xmlns:p14="http://schemas.microsoft.com/office/powerpoint/2010/main" val="165628833"/>
+        <p14:creationId xmlns:p14="http://schemas.microsoft.com/office/powerpoint/2010/main" val="2803002757"/>
       </p:ext>
     </p:extLst>
   </p:cSld>
@@ -953,7 +953,7 @@
           <p:cNvPr id="2" name="标题 1">
             <a:extLst>
               <a:ext uri="{FF2B5EF4-FFF2-40B4-BE49-F238E27FC236}">
-                <a16:creationId xmlns:a16="http://schemas.microsoft.com/office/drawing/2014/main" id="{4AFB549A-653D-F92A-FF81-F29709729D98}"/>
+                <a16:creationId xmlns:a16="http://schemas.microsoft.com/office/drawing/2014/main" id="{C401D8CF-48FC-79AD-95B6-22F225EEE8E6}"/>
               </a:ext>
             </a:extLst>
           </p:cNvPr>
@@ -990,7 +990,7 @@
           <p:cNvPr id="3" name="文本占位符 2">
             <a:extLst>
               <a:ext uri="{FF2B5EF4-FFF2-40B4-BE49-F238E27FC236}">
-                <a16:creationId xmlns:a16="http://schemas.microsoft.com/office/drawing/2014/main" id="{5192DFE6-9CBE-681A-F940-F118273EBBA4}"/>
+                <a16:creationId xmlns:a16="http://schemas.microsoft.com/office/drawing/2014/main" id="{D2857487-C11B-1A98-8B89-699FAA217E9A}"/>
               </a:ext>
             </a:extLst>
           </p:cNvPr>
@@ -1115,7 +1115,7 @@
           <p:cNvPr id="4" name="日期占位符 3">
             <a:extLst>
               <a:ext uri="{FF2B5EF4-FFF2-40B4-BE49-F238E27FC236}">
-                <a16:creationId xmlns:a16="http://schemas.microsoft.com/office/drawing/2014/main" id="{A9D32213-F635-96E6-2167-4CEC432A3590}"/>
+                <a16:creationId xmlns:a16="http://schemas.microsoft.com/office/drawing/2014/main" id="{057C6CED-54FF-775F-2414-4E222ECFD798}"/>
               </a:ext>
             </a:extLst>
           </p:cNvPr>
@@ -1131,7 +1131,7 @@
           <a:bodyPr/>
           <a:lstStyle/>
           <a:p>
-            <a:fld id="{5A6772F9-C3FF-4F6E-9CB0-51E0B59A1942}" type="datetimeFigureOut">
+            <a:fld id="{4DF24903-E467-4DF9-83BB-7D9F973231F0}" type="datetimeFigureOut">
               <a:rPr lang="zh-CN" altLang="en-US" smtClean="0"/>
               <a:t>2024/3/10</a:t>
             </a:fld>
@@ -1144,7 +1144,7 @@
           <p:cNvPr id="5" name="页脚占位符 4">
             <a:extLst>
               <a:ext uri="{FF2B5EF4-FFF2-40B4-BE49-F238E27FC236}">
-                <a16:creationId xmlns:a16="http://schemas.microsoft.com/office/drawing/2014/main" id="{9FDC311B-E0E3-6E92-E538-2BA00C9E483B}"/>
+                <a16:creationId xmlns:a16="http://schemas.microsoft.com/office/drawing/2014/main" id="{B587A5AC-0F14-57DA-3F29-6C055D7DF042}"/>
               </a:ext>
             </a:extLst>
           </p:cNvPr>
@@ -1169,7 +1169,7 @@
           <p:cNvPr id="6" name="灯片编号占位符 5">
             <a:extLst>
               <a:ext uri="{FF2B5EF4-FFF2-40B4-BE49-F238E27FC236}">
-                <a16:creationId xmlns:a16="http://schemas.microsoft.com/office/drawing/2014/main" id="{FF1E122C-BFF0-E797-33A1-EEA325DEC395}"/>
+                <a16:creationId xmlns:a16="http://schemas.microsoft.com/office/drawing/2014/main" id="{15B1F19D-02B9-99D1-7724-8911FA799902}"/>
               </a:ext>
             </a:extLst>
           </p:cNvPr>
@@ -1185,7 +1185,7 @@
           <a:bodyPr/>
           <a:lstStyle/>
           <a:p>
-            <a:fld id="{86B9957F-C935-474D-BA90-A73C5B998A30}" type="slidenum">
+            <a:fld id="{6CEF90F9-4D7D-4696-9176-A0E74F9FD161}" type="slidenum">
               <a:rPr lang="zh-CN" altLang="en-US" smtClean="0"/>
               <a:t>‹#›</a:t>
             </a:fld>
@@ -1196,7 +1196,7 @@
     </p:spTree>
     <p:extLst>
       <p:ext uri="{BB962C8B-B14F-4D97-AF65-F5344CB8AC3E}">
-        <p14:creationId xmlns:p14="http://schemas.microsoft.com/office/powerpoint/2010/main" val="1755293969"/>
+        <p14:creationId xmlns:p14="http://schemas.microsoft.com/office/powerpoint/2010/main" val="196265149"/>
       </p:ext>
     </p:extLst>
   </p:cSld>
@@ -1228,7 +1228,7 @@
           <p:cNvPr id="2" name="标题 1">
             <a:extLst>
               <a:ext uri="{FF2B5EF4-FFF2-40B4-BE49-F238E27FC236}">
-                <a16:creationId xmlns:a16="http://schemas.microsoft.com/office/drawing/2014/main" id="{11B0894C-DFE5-6591-D6A1-934A8F035F8F}"/>
+                <a16:creationId xmlns:a16="http://schemas.microsoft.com/office/drawing/2014/main" id="{DBC77885-7A2B-CC08-91F4-D8F229E2E3B4}"/>
               </a:ext>
             </a:extLst>
           </p:cNvPr>
@@ -1256,7 +1256,7 @@
           <p:cNvPr id="3" name="内容占位符 2">
             <a:extLst>
               <a:ext uri="{FF2B5EF4-FFF2-40B4-BE49-F238E27FC236}">
-                <a16:creationId xmlns:a16="http://schemas.microsoft.com/office/drawing/2014/main" id="{265A4C74-0282-79C4-A37D-3417BDFF1B62}"/>
+                <a16:creationId xmlns:a16="http://schemas.microsoft.com/office/drawing/2014/main" id="{9C0831B2-2240-2FFD-D81D-F6253F7B86F0}"/>
               </a:ext>
             </a:extLst>
           </p:cNvPr>
@@ -1318,7 +1318,7 @@
           <p:cNvPr id="4" name="内容占位符 3">
             <a:extLst>
               <a:ext uri="{FF2B5EF4-FFF2-40B4-BE49-F238E27FC236}">
-                <a16:creationId xmlns:a16="http://schemas.microsoft.com/office/drawing/2014/main" id="{FD1A8FE0-056D-A44E-5CAC-AE57B4AACAFD}"/>
+                <a16:creationId xmlns:a16="http://schemas.microsoft.com/office/drawing/2014/main" id="{959D0795-6D9B-3F07-D068-7BEEA4C913F1}"/>
               </a:ext>
             </a:extLst>
           </p:cNvPr>
@@ -1380,7 +1380,7 @@
           <p:cNvPr id="5" name="日期占位符 4">
             <a:extLst>
               <a:ext uri="{FF2B5EF4-FFF2-40B4-BE49-F238E27FC236}">
-                <a16:creationId xmlns:a16="http://schemas.microsoft.com/office/drawing/2014/main" id="{04B05E6D-1421-B7FC-2706-E4CA845F06B2}"/>
+                <a16:creationId xmlns:a16="http://schemas.microsoft.com/office/drawing/2014/main" id="{62ED1FC1-AA40-0F11-9CDB-54FF98657D06}"/>
               </a:ext>
             </a:extLst>
           </p:cNvPr>
@@ -1396,7 +1396,7 @@
           <a:bodyPr/>
           <a:lstStyle/>
           <a:p>
-            <a:fld id="{5A6772F9-C3FF-4F6E-9CB0-51E0B59A1942}" type="datetimeFigureOut">
+            <a:fld id="{4DF24903-E467-4DF9-83BB-7D9F973231F0}" type="datetimeFigureOut">
               <a:rPr lang="zh-CN" altLang="en-US" smtClean="0"/>
               <a:t>2024/3/10</a:t>
             </a:fld>
@@ -1409,7 +1409,7 @@
           <p:cNvPr id="6" name="页脚占位符 5">
             <a:extLst>
               <a:ext uri="{FF2B5EF4-FFF2-40B4-BE49-F238E27FC236}">
-                <a16:creationId xmlns:a16="http://schemas.microsoft.com/office/drawing/2014/main" id="{9746D50B-7E0D-6351-948F-7A66743BC53A}"/>
+                <a16:creationId xmlns:a16="http://schemas.microsoft.com/office/drawing/2014/main" id="{71C3FFFA-F9F7-4E0A-DBA7-FC5291974D31}"/>
               </a:ext>
             </a:extLst>
           </p:cNvPr>
@@ -1434,7 +1434,7 @@
           <p:cNvPr id="7" name="灯片编号占位符 6">
             <a:extLst>
               <a:ext uri="{FF2B5EF4-FFF2-40B4-BE49-F238E27FC236}">
-                <a16:creationId xmlns:a16="http://schemas.microsoft.com/office/drawing/2014/main" id="{B4CC747F-29A7-3890-0BC3-72F500098925}"/>
+                <a16:creationId xmlns:a16="http://schemas.microsoft.com/office/drawing/2014/main" id="{BED25BEF-A095-214C-EA28-2672BD69FAEA}"/>
               </a:ext>
             </a:extLst>
           </p:cNvPr>
@@ -1450,7 +1450,7 @@
           <a:bodyPr/>
           <a:lstStyle/>
           <a:p>
-            <a:fld id="{86B9957F-C935-474D-BA90-A73C5B998A30}" type="slidenum">
+            <a:fld id="{6CEF90F9-4D7D-4696-9176-A0E74F9FD161}" type="slidenum">
               <a:rPr lang="zh-CN" altLang="en-US" smtClean="0"/>
               <a:t>‹#›</a:t>
             </a:fld>
@@ -1461,7 +1461,7 @@
     </p:spTree>
     <p:extLst>
       <p:ext uri="{BB962C8B-B14F-4D97-AF65-F5344CB8AC3E}">
-        <p14:creationId xmlns:p14="http://schemas.microsoft.com/office/powerpoint/2010/main" val="2726035599"/>
+        <p14:creationId xmlns:p14="http://schemas.microsoft.com/office/powerpoint/2010/main" val="4038458846"/>
       </p:ext>
     </p:extLst>
   </p:cSld>
@@ -1493,7 +1493,7 @@
           <p:cNvPr id="2" name="标题 1">
             <a:extLst>
               <a:ext uri="{FF2B5EF4-FFF2-40B4-BE49-F238E27FC236}">
-                <a16:creationId xmlns:a16="http://schemas.microsoft.com/office/drawing/2014/main" id="{64E7EE48-36E7-B806-6EBC-480FCED405A9}"/>
+                <a16:creationId xmlns:a16="http://schemas.microsoft.com/office/drawing/2014/main" id="{AE2A50C7-D5FA-7156-2890-AF0E14599B2B}"/>
               </a:ext>
             </a:extLst>
           </p:cNvPr>
@@ -1526,7 +1526,7 @@
           <p:cNvPr id="3" name="文本占位符 2">
             <a:extLst>
               <a:ext uri="{FF2B5EF4-FFF2-40B4-BE49-F238E27FC236}">
-                <a16:creationId xmlns:a16="http://schemas.microsoft.com/office/drawing/2014/main" id="{E64D0273-F7B3-712B-FE84-49076BED66C8}"/>
+                <a16:creationId xmlns:a16="http://schemas.microsoft.com/office/drawing/2014/main" id="{7E940344-A0C9-B771-A610-8C140354A66B}"/>
               </a:ext>
             </a:extLst>
           </p:cNvPr>
@@ -1597,7 +1597,7 @@
           <p:cNvPr id="4" name="内容占位符 3">
             <a:extLst>
               <a:ext uri="{FF2B5EF4-FFF2-40B4-BE49-F238E27FC236}">
-                <a16:creationId xmlns:a16="http://schemas.microsoft.com/office/drawing/2014/main" id="{07D5D2C1-4C8E-B65E-04A8-A200D3C67A17}"/>
+                <a16:creationId xmlns:a16="http://schemas.microsoft.com/office/drawing/2014/main" id="{EA8BD316-4F7A-52D4-C85F-BE33F5E0FEE3}"/>
               </a:ext>
             </a:extLst>
           </p:cNvPr>
@@ -1659,7 +1659,7 @@
           <p:cNvPr id="5" name="文本占位符 4">
             <a:extLst>
               <a:ext uri="{FF2B5EF4-FFF2-40B4-BE49-F238E27FC236}">
-                <a16:creationId xmlns:a16="http://schemas.microsoft.com/office/drawing/2014/main" id="{A48FB063-120A-4EC6-459E-73D99CC28436}"/>
+                <a16:creationId xmlns:a16="http://schemas.microsoft.com/office/drawing/2014/main" id="{18E6BF87-70B1-886D-6631-CD551FCA999A}"/>
               </a:ext>
             </a:extLst>
           </p:cNvPr>
@@ -1730,7 +1730,7 @@
           <p:cNvPr id="6" name="内容占位符 5">
             <a:extLst>
               <a:ext uri="{FF2B5EF4-FFF2-40B4-BE49-F238E27FC236}">
-                <a16:creationId xmlns:a16="http://schemas.microsoft.com/office/drawing/2014/main" id="{49EE57AC-064B-4CCD-98C4-07C1CD0CB260}"/>
+                <a16:creationId xmlns:a16="http://schemas.microsoft.com/office/drawing/2014/main" id="{E725BDE1-A080-1F42-B3D6-2E51F7CD76B9}"/>
               </a:ext>
             </a:extLst>
           </p:cNvPr>
@@ -1792,7 +1792,7 @@
           <p:cNvPr id="7" name="日期占位符 6">
             <a:extLst>
               <a:ext uri="{FF2B5EF4-FFF2-40B4-BE49-F238E27FC236}">
-                <a16:creationId xmlns:a16="http://schemas.microsoft.com/office/drawing/2014/main" id="{9F86F3F1-FDCD-6416-076A-CCBE945874C8}"/>
+                <a16:creationId xmlns:a16="http://schemas.microsoft.com/office/drawing/2014/main" id="{BEB2610E-B236-D720-C0D8-E659FB980B4A}"/>
               </a:ext>
             </a:extLst>
           </p:cNvPr>
@@ -1808,7 +1808,7 @@
           <a:bodyPr/>
           <a:lstStyle/>
           <a:p>
-            <a:fld id="{5A6772F9-C3FF-4F6E-9CB0-51E0B59A1942}" type="datetimeFigureOut">
+            <a:fld id="{4DF24903-E467-4DF9-83BB-7D9F973231F0}" type="datetimeFigureOut">
               <a:rPr lang="zh-CN" altLang="en-US" smtClean="0"/>
               <a:t>2024/3/10</a:t>
             </a:fld>
@@ -1821,7 +1821,7 @@
           <p:cNvPr id="8" name="页脚占位符 7">
             <a:extLst>
               <a:ext uri="{FF2B5EF4-FFF2-40B4-BE49-F238E27FC236}">
-                <a16:creationId xmlns:a16="http://schemas.microsoft.com/office/drawing/2014/main" id="{F88BA7B6-E6B9-0FCF-3634-F3E7E0E1C7CB}"/>
+                <a16:creationId xmlns:a16="http://schemas.microsoft.com/office/drawing/2014/main" id="{3183D133-3AEE-A78F-44EF-EED74A0BDE6E}"/>
               </a:ext>
             </a:extLst>
           </p:cNvPr>
@@ -1846,7 +1846,7 @@
           <p:cNvPr id="9" name="灯片编号占位符 8">
             <a:extLst>
               <a:ext uri="{FF2B5EF4-FFF2-40B4-BE49-F238E27FC236}">
-                <a16:creationId xmlns:a16="http://schemas.microsoft.com/office/drawing/2014/main" id="{1436B2DE-F2A2-0F57-C0D4-84F2F31D0B67}"/>
+                <a16:creationId xmlns:a16="http://schemas.microsoft.com/office/drawing/2014/main" id="{FFB7112F-1DEC-4010-DD21-668C1AA39F22}"/>
               </a:ext>
             </a:extLst>
           </p:cNvPr>
@@ -1862,7 +1862,7 @@
           <a:bodyPr/>
           <a:lstStyle/>
           <a:p>
-            <a:fld id="{86B9957F-C935-474D-BA90-A73C5B998A30}" type="slidenum">
+            <a:fld id="{6CEF90F9-4D7D-4696-9176-A0E74F9FD161}" type="slidenum">
               <a:rPr lang="zh-CN" altLang="en-US" smtClean="0"/>
               <a:t>‹#›</a:t>
             </a:fld>
@@ -1873,7 +1873,7 @@
     </p:spTree>
     <p:extLst>
       <p:ext uri="{BB962C8B-B14F-4D97-AF65-F5344CB8AC3E}">
-        <p14:creationId xmlns:p14="http://schemas.microsoft.com/office/powerpoint/2010/main" val="657186316"/>
+        <p14:creationId xmlns:p14="http://schemas.microsoft.com/office/powerpoint/2010/main" val="2567064606"/>
       </p:ext>
     </p:extLst>
   </p:cSld>
@@ -1905,7 +1905,7 @@
           <p:cNvPr id="2" name="标题 1">
             <a:extLst>
               <a:ext uri="{FF2B5EF4-FFF2-40B4-BE49-F238E27FC236}">
-                <a16:creationId xmlns:a16="http://schemas.microsoft.com/office/drawing/2014/main" id="{29F7BF8F-04D4-C9B9-7372-AC91041120B6}"/>
+                <a16:creationId xmlns:a16="http://schemas.microsoft.com/office/drawing/2014/main" id="{4E061422-0299-A55A-BF4D-7CE9F7EDA158}"/>
               </a:ext>
             </a:extLst>
           </p:cNvPr>
@@ -1933,7 +1933,7 @@
           <p:cNvPr id="3" name="日期占位符 2">
             <a:extLst>
               <a:ext uri="{FF2B5EF4-FFF2-40B4-BE49-F238E27FC236}">
-                <a16:creationId xmlns:a16="http://schemas.microsoft.com/office/drawing/2014/main" id="{7F1CABB4-579E-57C7-2D55-BA88118FEBF8}"/>
+                <a16:creationId xmlns:a16="http://schemas.microsoft.com/office/drawing/2014/main" id="{312EC81F-C4D0-6C83-38B1-E13AAD643564}"/>
               </a:ext>
             </a:extLst>
           </p:cNvPr>
@@ -1949,7 +1949,7 @@
           <a:bodyPr/>
           <a:lstStyle/>
           <a:p>
-            <a:fld id="{5A6772F9-C3FF-4F6E-9CB0-51E0B59A1942}" type="datetimeFigureOut">
+            <a:fld id="{4DF24903-E467-4DF9-83BB-7D9F973231F0}" type="datetimeFigureOut">
               <a:rPr lang="zh-CN" altLang="en-US" smtClean="0"/>
               <a:t>2024/3/10</a:t>
             </a:fld>
@@ -1962,7 +1962,7 @@
           <p:cNvPr id="4" name="页脚占位符 3">
             <a:extLst>
               <a:ext uri="{FF2B5EF4-FFF2-40B4-BE49-F238E27FC236}">
-                <a16:creationId xmlns:a16="http://schemas.microsoft.com/office/drawing/2014/main" id="{3141D3F8-64CC-4FB7-A1FB-D1E75B3852B6}"/>
+                <a16:creationId xmlns:a16="http://schemas.microsoft.com/office/drawing/2014/main" id="{4DED60EA-83F2-4686-1AF6-007BA695180B}"/>
               </a:ext>
             </a:extLst>
           </p:cNvPr>
@@ -1987,7 +1987,7 @@
           <p:cNvPr id="5" name="灯片编号占位符 4">
             <a:extLst>
               <a:ext uri="{FF2B5EF4-FFF2-40B4-BE49-F238E27FC236}">
-                <a16:creationId xmlns:a16="http://schemas.microsoft.com/office/drawing/2014/main" id="{BD84F48C-3EE5-255F-B87E-DD1219CD4D5E}"/>
+                <a16:creationId xmlns:a16="http://schemas.microsoft.com/office/drawing/2014/main" id="{E086C281-5D89-17DC-28F8-11F2D9FC424F}"/>
               </a:ext>
             </a:extLst>
           </p:cNvPr>
@@ -2003,7 +2003,7 @@
           <a:bodyPr/>
           <a:lstStyle/>
           <a:p>
-            <a:fld id="{86B9957F-C935-474D-BA90-A73C5B998A30}" type="slidenum">
+            <a:fld id="{6CEF90F9-4D7D-4696-9176-A0E74F9FD161}" type="slidenum">
               <a:rPr lang="zh-CN" altLang="en-US" smtClean="0"/>
               <a:t>‹#›</a:t>
             </a:fld>
@@ -2014,7 +2014,7 @@
     </p:spTree>
     <p:extLst>
       <p:ext uri="{BB962C8B-B14F-4D97-AF65-F5344CB8AC3E}">
-        <p14:creationId xmlns:p14="http://schemas.microsoft.com/office/powerpoint/2010/main" val="19632166"/>
+        <p14:creationId xmlns:p14="http://schemas.microsoft.com/office/powerpoint/2010/main" val="1843874671"/>
       </p:ext>
     </p:extLst>
   </p:cSld>
@@ -2046,7 +2046,7 @@
           <p:cNvPr id="2" name="日期占位符 1">
             <a:extLst>
               <a:ext uri="{FF2B5EF4-FFF2-40B4-BE49-F238E27FC236}">
-                <a16:creationId xmlns:a16="http://schemas.microsoft.com/office/drawing/2014/main" id="{AEBB214A-508C-DB54-585B-A4F9E01273AC}"/>
+                <a16:creationId xmlns:a16="http://schemas.microsoft.com/office/drawing/2014/main" id="{0B0FCAD5-5E3C-7D16-BAE2-CEA75201DB2A}"/>
               </a:ext>
             </a:extLst>
           </p:cNvPr>
@@ -2062,7 +2062,7 @@
           <a:bodyPr/>
           <a:lstStyle/>
           <a:p>
-            <a:fld id="{5A6772F9-C3FF-4F6E-9CB0-51E0B59A1942}" type="datetimeFigureOut">
+            <a:fld id="{4DF24903-E467-4DF9-83BB-7D9F973231F0}" type="datetimeFigureOut">
               <a:rPr lang="zh-CN" altLang="en-US" smtClean="0"/>
               <a:t>2024/3/10</a:t>
             </a:fld>
@@ -2075,7 +2075,7 @@
           <p:cNvPr id="3" name="页脚占位符 2">
             <a:extLst>
               <a:ext uri="{FF2B5EF4-FFF2-40B4-BE49-F238E27FC236}">
-                <a16:creationId xmlns:a16="http://schemas.microsoft.com/office/drawing/2014/main" id="{7729621E-ED82-78C1-A24F-C031799B7304}"/>
+                <a16:creationId xmlns:a16="http://schemas.microsoft.com/office/drawing/2014/main" id="{65520B8D-73B9-FAE9-07C3-4E7F90411354}"/>
               </a:ext>
             </a:extLst>
           </p:cNvPr>
@@ -2100,7 +2100,7 @@
           <p:cNvPr id="4" name="灯片编号占位符 3">
             <a:extLst>
               <a:ext uri="{FF2B5EF4-FFF2-40B4-BE49-F238E27FC236}">
-                <a16:creationId xmlns:a16="http://schemas.microsoft.com/office/drawing/2014/main" id="{41545FA9-8E51-8CCC-598C-10F56A443090}"/>
+                <a16:creationId xmlns:a16="http://schemas.microsoft.com/office/drawing/2014/main" id="{F4FD68E8-C38E-EAEF-6294-2D93B8C10825}"/>
               </a:ext>
             </a:extLst>
           </p:cNvPr>
@@ -2116,7 +2116,7 @@
           <a:bodyPr/>
           <a:lstStyle/>
           <a:p>
-            <a:fld id="{86B9957F-C935-474D-BA90-A73C5B998A30}" type="slidenum">
+            <a:fld id="{6CEF90F9-4D7D-4696-9176-A0E74F9FD161}" type="slidenum">
               <a:rPr lang="zh-CN" altLang="en-US" smtClean="0"/>
               <a:t>‹#›</a:t>
             </a:fld>
@@ -2127,7 +2127,7 @@
     </p:spTree>
     <p:extLst>
       <p:ext uri="{BB962C8B-B14F-4D97-AF65-F5344CB8AC3E}">
-        <p14:creationId xmlns:p14="http://schemas.microsoft.com/office/powerpoint/2010/main" val="2926169642"/>
+        <p14:creationId xmlns:p14="http://schemas.microsoft.com/office/powerpoint/2010/main" val="1558325873"/>
       </p:ext>
     </p:extLst>
   </p:cSld>
@@ -2159,7 +2159,7 @@
           <p:cNvPr id="2" name="标题 1">
             <a:extLst>
               <a:ext uri="{FF2B5EF4-FFF2-40B4-BE49-F238E27FC236}">
-                <a16:creationId xmlns:a16="http://schemas.microsoft.com/office/drawing/2014/main" id="{A1ED1546-FC32-B3A6-043F-5E9C00D71815}"/>
+                <a16:creationId xmlns:a16="http://schemas.microsoft.com/office/drawing/2014/main" id="{6B2364A0-1B08-B744-75F3-2AE6BCE5E9D6}"/>
               </a:ext>
             </a:extLst>
           </p:cNvPr>
@@ -2196,7 +2196,7 @@
           <p:cNvPr id="3" name="内容占位符 2">
             <a:extLst>
               <a:ext uri="{FF2B5EF4-FFF2-40B4-BE49-F238E27FC236}">
-                <a16:creationId xmlns:a16="http://schemas.microsoft.com/office/drawing/2014/main" id="{5A687C18-2C35-BBDC-A99F-F4ADDEDEF7DD}"/>
+                <a16:creationId xmlns:a16="http://schemas.microsoft.com/office/drawing/2014/main" id="{03CBC075-DBC8-7AF5-14FA-07922BF4E573}"/>
               </a:ext>
             </a:extLst>
           </p:cNvPr>
@@ -2286,7 +2286,7 @@
           <p:cNvPr id="4" name="文本占位符 3">
             <a:extLst>
               <a:ext uri="{FF2B5EF4-FFF2-40B4-BE49-F238E27FC236}">
-                <a16:creationId xmlns:a16="http://schemas.microsoft.com/office/drawing/2014/main" id="{EA4E7ECF-FA3C-4DBF-EABB-85C760C6AB93}"/>
+                <a16:creationId xmlns:a16="http://schemas.microsoft.com/office/drawing/2014/main" id="{F131BC50-D01D-2164-D55F-1BBEFB8C09DE}"/>
               </a:ext>
             </a:extLst>
           </p:cNvPr>
@@ -2357,7 +2357,7 @@
           <p:cNvPr id="5" name="日期占位符 4">
             <a:extLst>
               <a:ext uri="{FF2B5EF4-FFF2-40B4-BE49-F238E27FC236}">
-                <a16:creationId xmlns:a16="http://schemas.microsoft.com/office/drawing/2014/main" id="{221DA7FA-6930-FB07-BB1C-7563B7BAC39E}"/>
+                <a16:creationId xmlns:a16="http://schemas.microsoft.com/office/drawing/2014/main" id="{C12C0188-9376-8969-17EC-4A308918F11E}"/>
               </a:ext>
             </a:extLst>
           </p:cNvPr>
@@ -2373,7 +2373,7 @@
           <a:bodyPr/>
           <a:lstStyle/>
           <a:p>
-            <a:fld id="{5A6772F9-C3FF-4F6E-9CB0-51E0B59A1942}" type="datetimeFigureOut">
+            <a:fld id="{4DF24903-E467-4DF9-83BB-7D9F973231F0}" type="datetimeFigureOut">
               <a:rPr lang="zh-CN" altLang="en-US" smtClean="0"/>
               <a:t>2024/3/10</a:t>
             </a:fld>
@@ -2386,7 +2386,7 @@
           <p:cNvPr id="6" name="页脚占位符 5">
             <a:extLst>
               <a:ext uri="{FF2B5EF4-FFF2-40B4-BE49-F238E27FC236}">
-                <a16:creationId xmlns:a16="http://schemas.microsoft.com/office/drawing/2014/main" id="{762C7794-A502-3BC4-AD5A-592F2505886B}"/>
+                <a16:creationId xmlns:a16="http://schemas.microsoft.com/office/drawing/2014/main" id="{A149622A-DCBA-A22A-6503-8A7390B19858}"/>
               </a:ext>
             </a:extLst>
           </p:cNvPr>
@@ -2411,7 +2411,7 @@
           <p:cNvPr id="7" name="灯片编号占位符 6">
             <a:extLst>
               <a:ext uri="{FF2B5EF4-FFF2-40B4-BE49-F238E27FC236}">
-                <a16:creationId xmlns:a16="http://schemas.microsoft.com/office/drawing/2014/main" id="{CBB5B028-2572-3CC1-BF70-0396953670F9}"/>
+                <a16:creationId xmlns:a16="http://schemas.microsoft.com/office/drawing/2014/main" id="{2589AD86-4CC6-3C6C-C3AE-394E08E35628}"/>
               </a:ext>
             </a:extLst>
           </p:cNvPr>
@@ -2427,7 +2427,7 @@
           <a:bodyPr/>
           <a:lstStyle/>
           <a:p>
-            <a:fld id="{86B9957F-C935-474D-BA90-A73C5B998A30}" type="slidenum">
+            <a:fld id="{6CEF90F9-4D7D-4696-9176-A0E74F9FD161}" type="slidenum">
               <a:rPr lang="zh-CN" altLang="en-US" smtClean="0"/>
               <a:t>‹#›</a:t>
             </a:fld>
@@ -2438,7 +2438,7 @@
     </p:spTree>
     <p:extLst>
       <p:ext uri="{BB962C8B-B14F-4D97-AF65-F5344CB8AC3E}">
-        <p14:creationId xmlns:p14="http://schemas.microsoft.com/office/powerpoint/2010/main" val="720261896"/>
+        <p14:creationId xmlns:p14="http://schemas.microsoft.com/office/powerpoint/2010/main" val="3871537551"/>
       </p:ext>
     </p:extLst>
   </p:cSld>
@@ -2470,7 +2470,7 @@
           <p:cNvPr id="2" name="标题 1">
             <a:extLst>
               <a:ext uri="{FF2B5EF4-FFF2-40B4-BE49-F238E27FC236}">
-                <a16:creationId xmlns:a16="http://schemas.microsoft.com/office/drawing/2014/main" id="{52172B84-8EC4-372B-FD04-EF9D6CFE86C9}"/>
+                <a16:creationId xmlns:a16="http://schemas.microsoft.com/office/drawing/2014/main" id="{BCEDD6FB-F076-DD88-440F-4A42CF67591C}"/>
               </a:ext>
             </a:extLst>
           </p:cNvPr>
@@ -2507,7 +2507,7 @@
           <p:cNvPr id="3" name="图片占位符 2">
             <a:extLst>
               <a:ext uri="{FF2B5EF4-FFF2-40B4-BE49-F238E27FC236}">
-                <a16:creationId xmlns:a16="http://schemas.microsoft.com/office/drawing/2014/main" id="{960D1F05-4774-22C6-E231-D164005BDA79}"/>
+                <a16:creationId xmlns:a16="http://schemas.microsoft.com/office/drawing/2014/main" id="{8C0125B7-0ECC-5C30-532F-82401B3DC6D0}"/>
               </a:ext>
             </a:extLst>
           </p:cNvPr>
@@ -2574,7 +2574,7 @@
           <p:cNvPr id="4" name="文本占位符 3">
             <a:extLst>
               <a:ext uri="{FF2B5EF4-FFF2-40B4-BE49-F238E27FC236}">
-                <a16:creationId xmlns:a16="http://schemas.microsoft.com/office/drawing/2014/main" id="{6F450071-2FDE-900E-179D-12B25884B5D2}"/>
+                <a16:creationId xmlns:a16="http://schemas.microsoft.com/office/drawing/2014/main" id="{18E2629D-06E8-A4A4-49F4-5A78A0632705}"/>
               </a:ext>
             </a:extLst>
           </p:cNvPr>
@@ -2645,7 +2645,7 @@
           <p:cNvPr id="5" name="日期占位符 4">
             <a:extLst>
               <a:ext uri="{FF2B5EF4-FFF2-40B4-BE49-F238E27FC236}">
-                <a16:creationId xmlns:a16="http://schemas.microsoft.com/office/drawing/2014/main" id="{FAF6858A-BFB8-3A97-DC2D-A5C278395D0B}"/>
+                <a16:creationId xmlns:a16="http://schemas.microsoft.com/office/drawing/2014/main" id="{B3264CC9-AA27-A1CF-A01B-95432DE492CD}"/>
               </a:ext>
             </a:extLst>
           </p:cNvPr>
@@ -2661,7 +2661,7 @@
           <a:bodyPr/>
           <a:lstStyle/>
           <a:p>
-            <a:fld id="{5A6772F9-C3FF-4F6E-9CB0-51E0B59A1942}" type="datetimeFigureOut">
+            <a:fld id="{4DF24903-E467-4DF9-83BB-7D9F973231F0}" type="datetimeFigureOut">
               <a:rPr lang="zh-CN" altLang="en-US" smtClean="0"/>
               <a:t>2024/3/10</a:t>
             </a:fld>
@@ -2674,7 +2674,7 @@
           <p:cNvPr id="6" name="页脚占位符 5">
             <a:extLst>
               <a:ext uri="{FF2B5EF4-FFF2-40B4-BE49-F238E27FC236}">
-                <a16:creationId xmlns:a16="http://schemas.microsoft.com/office/drawing/2014/main" id="{542B2B2F-141C-7DD8-94A8-42E2B9C68334}"/>
+                <a16:creationId xmlns:a16="http://schemas.microsoft.com/office/drawing/2014/main" id="{827FABDD-6820-2B92-55A1-FE1743B44F8B}"/>
               </a:ext>
             </a:extLst>
           </p:cNvPr>
@@ -2699,7 +2699,7 @@
           <p:cNvPr id="7" name="灯片编号占位符 6">
             <a:extLst>
               <a:ext uri="{FF2B5EF4-FFF2-40B4-BE49-F238E27FC236}">
-                <a16:creationId xmlns:a16="http://schemas.microsoft.com/office/drawing/2014/main" id="{CEA279B8-EA2C-695A-2549-98B93F8DFF9B}"/>
+                <a16:creationId xmlns:a16="http://schemas.microsoft.com/office/drawing/2014/main" id="{6C9BFE1C-BFE5-4F12-FB2C-020FE194E2E6}"/>
               </a:ext>
             </a:extLst>
           </p:cNvPr>
@@ -2715,7 +2715,7 @@
           <a:bodyPr/>
           <a:lstStyle/>
           <a:p>
-            <a:fld id="{86B9957F-C935-474D-BA90-A73C5B998A30}" type="slidenum">
+            <a:fld id="{6CEF90F9-4D7D-4696-9176-A0E74F9FD161}" type="slidenum">
               <a:rPr lang="zh-CN" altLang="en-US" smtClean="0"/>
               <a:t>‹#›</a:t>
             </a:fld>
@@ -2726,7 +2726,7 @@
     </p:spTree>
     <p:extLst>
       <p:ext uri="{BB962C8B-B14F-4D97-AF65-F5344CB8AC3E}">
-        <p14:creationId xmlns:p14="http://schemas.microsoft.com/office/powerpoint/2010/main" val="3982290202"/>
+        <p14:creationId xmlns:p14="http://schemas.microsoft.com/office/powerpoint/2010/main" val="1591138961"/>
       </p:ext>
     </p:extLst>
   </p:cSld>
@@ -2763,7 +2763,7 @@
           <p:cNvPr id="2" name="标题占位符 1">
             <a:extLst>
               <a:ext uri="{FF2B5EF4-FFF2-40B4-BE49-F238E27FC236}">
-                <a16:creationId xmlns:a16="http://schemas.microsoft.com/office/drawing/2014/main" id="{5421452C-2973-BE7F-7C13-31E59D3B33FE}"/>
+                <a16:creationId xmlns:a16="http://schemas.microsoft.com/office/drawing/2014/main" id="{38653800-F435-A665-A997-88F93415E817}"/>
               </a:ext>
             </a:extLst>
           </p:cNvPr>
@@ -2801,7 +2801,7 @@
           <p:cNvPr id="3" name="文本占位符 2">
             <a:extLst>
               <a:ext uri="{FF2B5EF4-FFF2-40B4-BE49-F238E27FC236}">
-                <a16:creationId xmlns:a16="http://schemas.microsoft.com/office/drawing/2014/main" id="{590DF2C6-7C2B-DC5F-BD15-FFAE8021AADF}"/>
+                <a16:creationId xmlns:a16="http://schemas.microsoft.com/office/drawing/2014/main" id="{383AD8F9-1605-F84C-7B50-3891071E6497}"/>
               </a:ext>
             </a:extLst>
           </p:cNvPr>
@@ -2868,7 +2868,7 @@
           <p:cNvPr id="4" name="日期占位符 3">
             <a:extLst>
               <a:ext uri="{FF2B5EF4-FFF2-40B4-BE49-F238E27FC236}">
-                <a16:creationId xmlns:a16="http://schemas.microsoft.com/office/drawing/2014/main" id="{C06BD00D-194F-8305-A62D-A4360276AE57}"/>
+                <a16:creationId xmlns:a16="http://schemas.microsoft.com/office/drawing/2014/main" id="{06CE2757-6881-A979-6B49-34198BB3AC2D}"/>
               </a:ext>
             </a:extLst>
           </p:cNvPr>
@@ -2902,7 +2902,7 @@
             </a:lvl1pPr>
           </a:lstStyle>
           <a:p>
-            <a:fld id="{5A6772F9-C3FF-4F6E-9CB0-51E0B59A1942}" type="datetimeFigureOut">
+            <a:fld id="{4DF24903-E467-4DF9-83BB-7D9F973231F0}" type="datetimeFigureOut">
               <a:rPr lang="zh-CN" altLang="en-US" smtClean="0"/>
               <a:t>2024/3/10</a:t>
             </a:fld>
@@ -2915,7 +2915,7 @@
           <p:cNvPr id="5" name="页脚占位符 4">
             <a:extLst>
               <a:ext uri="{FF2B5EF4-FFF2-40B4-BE49-F238E27FC236}">
-                <a16:creationId xmlns:a16="http://schemas.microsoft.com/office/drawing/2014/main" id="{CA87B2A8-3B2C-2973-8061-5D776F9271AD}"/>
+                <a16:creationId xmlns:a16="http://schemas.microsoft.com/office/drawing/2014/main" id="{39CB031F-9F8E-3295-3402-86D296AD516F}"/>
               </a:ext>
             </a:extLst>
           </p:cNvPr>
@@ -2958,7 +2958,7 @@
           <p:cNvPr id="6" name="灯片编号占位符 5">
             <a:extLst>
               <a:ext uri="{FF2B5EF4-FFF2-40B4-BE49-F238E27FC236}">
-                <a16:creationId xmlns:a16="http://schemas.microsoft.com/office/drawing/2014/main" id="{FCFBECB2-94E9-4138-8E39-77810FC26AE4}"/>
+                <a16:creationId xmlns:a16="http://schemas.microsoft.com/office/drawing/2014/main" id="{5420C476-8628-E0D3-F49C-23588AC4BC78}"/>
               </a:ext>
             </a:extLst>
           </p:cNvPr>
@@ -2992,7 +2992,7 @@
             </a:lvl1pPr>
           </a:lstStyle>
           <a:p>
-            <a:fld id="{86B9957F-C935-474D-BA90-A73C5B998A30}" type="slidenum">
+            <a:fld id="{6CEF90F9-4D7D-4696-9176-A0E74F9FD161}" type="slidenum">
               <a:rPr lang="zh-CN" altLang="en-US" smtClean="0"/>
               <a:t>‹#›</a:t>
             </a:fld>
@@ -3003,7 +3003,7 @@
     </p:spTree>
     <p:extLst>
       <p:ext uri="{BB962C8B-B14F-4D97-AF65-F5344CB8AC3E}">
-        <p14:creationId xmlns:p14="http://schemas.microsoft.com/office/powerpoint/2010/main" val="1062306978"/>
+        <p14:creationId xmlns:p14="http://schemas.microsoft.com/office/powerpoint/2010/main" val="605974306"/>
       </p:ext>
     </p:extLst>
   </p:cSld>
